--- a/PresentationSlides/240016074_AyushAle_Presentation_Prevention of cyber-attack using Intrusion detection system with Machine Learning Algorithmppt.pptx
+++ b/PresentationSlides/240016074_AyushAle_Presentation_Prevention of cyber-attack using Intrusion detection system with Machine Learning Algorithmppt.pptx
@@ -4321,8 +4321,8 @@
       </dsp:nvSpPr>
       <dsp:spPr>
         <a:xfrm>
-          <a:off x="0" y="285482"/>
-          <a:ext cx="9779182" cy="1376550"/>
+          <a:off x="0" y="315407"/>
+          <a:ext cx="9779182" cy="1346625"/>
         </a:xfrm>
         <a:prstGeom prst="rect">
           <a:avLst/>
@@ -4405,8 +4405,8 @@
         </a:p>
       </dsp:txBody>
       <dsp:txXfrm>
-        <a:off x="0" y="285482"/>
-        <a:ext cx="9779182" cy="1376550"/>
+        <a:off x="0" y="315407"/>
+        <a:ext cx="9779182" cy="1346625"/>
       </dsp:txXfrm>
     </dsp:sp>
     <dsp:sp modelId="{F222A888-CD73-4298-ABFF-8C31A2402551}">
@@ -4416,7 +4416,7 @@
       </dsp:nvSpPr>
       <dsp:spPr>
         <a:xfrm>
-          <a:off x="488959" y="5042"/>
+          <a:off x="488959" y="34967"/>
           <a:ext cx="6845427" cy="560880"/>
         </a:xfrm>
         <a:prstGeom prst="roundRect">
@@ -4491,7 +4491,7 @@
         </a:p>
       </dsp:txBody>
       <dsp:txXfrm>
-        <a:off x="516339" y="32422"/>
+        <a:off x="516339" y="62347"/>
         <a:ext cx="6790667" cy="506120"/>
       </dsp:txXfrm>
     </dsp:sp>
@@ -4503,7 +4503,7 @@
       <dsp:spPr>
         <a:xfrm>
           <a:off x="0" y="2045072"/>
-          <a:ext cx="9779182" cy="1316700"/>
+          <a:ext cx="9779182" cy="1286775"/>
         </a:xfrm>
         <a:prstGeom prst="rect">
           <a:avLst/>
@@ -4569,7 +4569,7 @@
       </dsp:txBody>
       <dsp:txXfrm>
         <a:off x="0" y="2045072"/>
-        <a:ext cx="9779182" cy="1316700"/>
+        <a:ext cx="9779182" cy="1286775"/>
       </dsp:txXfrm>
     </dsp:sp>
     <dsp:sp modelId="{86E24635-FD18-410D-AA14-ABFBF0109054}">
@@ -8535,7 +8535,7 @@
             <a:pPr rtl="0"/>
             <a:fld id="{AB1389FC-84BB-41A0-BC92-057C08DC342F}" type="datetime1">
               <a:rPr lang="en-GB" smtClean="0"/>
-              <a:t>06/01/2025</a:t>
+              <a:t>28/01/2025</a:t>
             </a:fld>
             <a:endParaRPr lang="en-GB" dirty="0"/>
           </a:p>
@@ -8717,7 +8717,7 @@
             <a:fld id="{4909B039-1C6C-4DB3-861A-76F1FF2AC578}" type="datetime1">
               <a:rPr lang="en-GB" noProof="0" smtClean="0"/>
               <a:pPr/>
-              <a:t>06/01/2025</a:t>
+              <a:t>28/01/2025</a:t>
             </a:fld>
             <a:endParaRPr lang="en-GB" noProof="0"/>
           </a:p>
@@ -25855,7 +25855,7 @@
             <p:ph idx="1"/>
             <p:extLst>
               <p:ext uri="{D42A27DB-BD31-4B8C-83A1-F6EECF244321}">
-                <p14:modId xmlns:p14="http://schemas.microsoft.com/office/powerpoint/2010/main" val="3544336202"/>
+                <p14:modId xmlns:p14="http://schemas.microsoft.com/office/powerpoint/2010/main" val="2579280315"/>
               </p:ext>
             </p:extLst>
           </p:nvPr>
@@ -26694,6 +26694,36 @@
           </a:p>
         </p:txBody>
       </p:sp>
+      <p:pic>
+        <p:nvPicPr>
+          <p:cNvPr id="8" name="Picture 7"/>
+          <p:cNvPicPr>
+            <a:picLocks noChangeAspect="1"/>
+          </p:cNvPicPr>
+          <p:nvPr/>
+        </p:nvPicPr>
+        <p:blipFill>
+          <a:blip r:embed="rId3">
+            <a:extLst>
+              <a:ext uri="{28A0092B-C50C-407E-A947-70E740481C1C}">
+                <a14:useLocalDpi xmlns:a14="http://schemas.microsoft.com/office/drawing/2010/main" val="0"/>
+              </a:ext>
+            </a:extLst>
+          </a:blip>
+          <a:stretch>
+            <a:fillRect/>
+          </a:stretch>
+        </p:blipFill>
+        <p:spPr>
+          <a:xfrm>
+            <a:off x="585460" y="2419927"/>
+            <a:ext cx="10945418" cy="3121891"/>
+          </a:xfrm>
+          <a:prstGeom prst="rect">
+            <a:avLst/>
+          </a:prstGeom>
+        </p:spPr>
+      </p:pic>
     </p:spTree>
     <p:extLst>
       <p:ext uri="{BB962C8B-B14F-4D97-AF65-F5344CB8AC3E}">
@@ -27030,6 +27060,66 @@
           </a:p>
         </p:txBody>
       </p:sp>
+      <p:pic>
+        <p:nvPicPr>
+          <p:cNvPr id="4" name="Picture 3"/>
+          <p:cNvPicPr>
+            <a:picLocks noChangeAspect="1"/>
+          </p:cNvPicPr>
+          <p:nvPr/>
+        </p:nvPicPr>
+        <p:blipFill>
+          <a:blip r:embed="rId5">
+            <a:extLst>
+              <a:ext uri="{28A0092B-C50C-407E-A947-70E740481C1C}">
+                <a14:useLocalDpi xmlns:a14="http://schemas.microsoft.com/office/drawing/2010/main" val="0"/>
+              </a:ext>
+            </a:extLst>
+          </a:blip>
+          <a:stretch>
+            <a:fillRect/>
+          </a:stretch>
+        </p:blipFill>
+        <p:spPr>
+          <a:xfrm>
+            <a:off x="6177608" y="1904643"/>
+            <a:ext cx="5173980" cy="3680460"/>
+          </a:xfrm>
+          <a:prstGeom prst="rect">
+            <a:avLst/>
+          </a:prstGeom>
+        </p:spPr>
+      </p:pic>
+      <p:pic>
+        <p:nvPicPr>
+          <p:cNvPr id="8" name="Picture 7"/>
+          <p:cNvPicPr>
+            <a:picLocks noChangeAspect="1"/>
+          </p:cNvPicPr>
+          <p:nvPr/>
+        </p:nvPicPr>
+        <p:blipFill>
+          <a:blip r:embed="rId6">
+            <a:extLst>
+              <a:ext uri="{28A0092B-C50C-407E-A947-70E740481C1C}">
+                <a14:useLocalDpi xmlns:a14="http://schemas.microsoft.com/office/drawing/2010/main" val="0"/>
+              </a:ext>
+            </a:extLst>
+          </a:blip>
+          <a:stretch>
+            <a:fillRect/>
+          </a:stretch>
+        </p:blipFill>
+        <p:spPr>
+          <a:xfrm>
+            <a:off x="1085334" y="1911397"/>
+            <a:ext cx="5105400" cy="3764280"/>
+          </a:xfrm>
+          <a:prstGeom prst="rect">
+            <a:avLst/>
+          </a:prstGeom>
+        </p:spPr>
+      </p:pic>
     </p:spTree>
     <p:extLst>
       <p:ext uri="{BB962C8B-B14F-4D97-AF65-F5344CB8AC3E}">
@@ -27367,6 +27457,60 @@
           </a:p>
         </p:txBody>
       </p:sp>
+      <p:pic>
+        <p:nvPicPr>
+          <p:cNvPr id="4" name="Picture 3"/>
+          <p:cNvPicPr>
+            <a:picLocks noChangeAspect="1"/>
+          </p:cNvPicPr>
+          <p:nvPr/>
+        </p:nvPicPr>
+        <p:blipFill>
+          <a:blip r:embed="rId5">
+            <a:extLst>
+              <a:ext uri="{28A0092B-C50C-407E-A947-70E740481C1C}">
+                <a14:useLocalDpi xmlns:a14="http://schemas.microsoft.com/office/drawing/2010/main" val="0"/>
+              </a:ext>
+            </a:extLst>
+          </a:blip>
+          <a:stretch>
+            <a:fillRect/>
+          </a:stretch>
+        </p:blipFill>
+        <p:spPr>
+          <a:xfrm>
+            <a:off x="5467927" y="1897689"/>
+            <a:ext cx="5254336" cy="3721179"/>
+          </a:xfrm>
+          <a:prstGeom prst="rect">
+            <a:avLst/>
+          </a:prstGeom>
+        </p:spPr>
+      </p:pic>
+      <p:pic>
+        <p:nvPicPr>
+          <p:cNvPr id="8" name="Picture 7"/>
+          <p:cNvPicPr>
+            <a:picLocks noChangeAspect="1"/>
+          </p:cNvPicPr>
+          <p:nvPr/>
+        </p:nvPicPr>
+        <p:blipFill>
+          <a:blip r:embed="rId6"/>
+          <a:stretch>
+            <a:fillRect/>
+          </a:stretch>
+        </p:blipFill>
+        <p:spPr>
+          <a:xfrm>
+            <a:off x="172688" y="2041830"/>
+            <a:ext cx="5535386" cy="3945779"/>
+          </a:xfrm>
+          <a:prstGeom prst="rect">
+            <a:avLst/>
+          </a:prstGeom>
+        </p:spPr>
+      </p:pic>
     </p:spTree>
     <p:extLst>
       <p:ext uri="{BB962C8B-B14F-4D97-AF65-F5344CB8AC3E}">
@@ -27703,6 +27847,54 @@
           </a:p>
         </p:txBody>
       </p:sp>
+      <p:pic>
+        <p:nvPicPr>
+          <p:cNvPr id="4" name="Picture 3"/>
+          <p:cNvPicPr>
+            <a:picLocks noChangeAspect="1"/>
+          </p:cNvPicPr>
+          <p:nvPr/>
+        </p:nvPicPr>
+        <p:blipFill>
+          <a:blip r:embed="rId5"/>
+          <a:stretch>
+            <a:fillRect/>
+          </a:stretch>
+        </p:blipFill>
+        <p:spPr>
+          <a:xfrm>
+            <a:off x="381000" y="2528202"/>
+            <a:ext cx="5676083" cy="3346125"/>
+          </a:xfrm>
+          <a:prstGeom prst="rect">
+            <a:avLst/>
+          </a:prstGeom>
+        </p:spPr>
+      </p:pic>
+      <p:pic>
+        <p:nvPicPr>
+          <p:cNvPr id="7" name="Picture 6"/>
+          <p:cNvPicPr>
+            <a:picLocks noChangeAspect="1"/>
+          </p:cNvPicPr>
+          <p:nvPr/>
+        </p:nvPicPr>
+        <p:blipFill>
+          <a:blip r:embed="rId6"/>
+          <a:stretch>
+            <a:fillRect/>
+          </a:stretch>
+        </p:blipFill>
+        <p:spPr>
+          <a:xfrm>
+            <a:off x="5676666" y="2299514"/>
+            <a:ext cx="5876577" cy="3803499"/>
+          </a:xfrm>
+          <a:prstGeom prst="rect">
+            <a:avLst/>
+          </a:prstGeom>
+        </p:spPr>
+      </p:pic>
     </p:spTree>
     <p:extLst>
       <p:ext uri="{BB962C8B-B14F-4D97-AF65-F5344CB8AC3E}">
@@ -28093,7 +28285,7 @@
             <p:ph idx="1"/>
             <p:extLst>
               <p:ext uri="{D42A27DB-BD31-4B8C-83A1-F6EECF244321}">
-                <p14:modId xmlns:p14="http://schemas.microsoft.com/office/powerpoint/2010/main" val="3029483246"/>
+                <p14:modId xmlns:p14="http://schemas.microsoft.com/office/powerpoint/2010/main" val="57659334"/>
               </p:ext>
             </p:extLst>
           </p:nvPr>
@@ -28245,10 +28437,10 @@
                     <a:p>
                       <a:pPr algn="ctr" rtl="0"/>
                       <a:r>
-                        <a:rPr lang="en-GB" b="1" noProof="0" dirty="0" err="1" smtClean="0">
+                        <a:rPr lang="en-GB" b="1" noProof="0" dirty="0" smtClean="0">
                           <a:latin typeface="Tenorite" pitchFamily="2" charset="0"/>
                         </a:rPr>
-                        <a:t>Presision</a:t>
+                        <a:t>Precision</a:t>
                       </a:r>
                       <a:endParaRPr lang="en-GB" b="1" noProof="0" dirty="0">
                         <a:latin typeface="Tenorite" pitchFamily="2" charset="0"/>
@@ -30039,6 +30231,36 @@
           </a:p>
         </p:txBody>
       </p:sp>
+      <p:pic>
+        <p:nvPicPr>
+          <p:cNvPr id="7" name="Picture 6"/>
+          <p:cNvPicPr>
+            <a:picLocks noChangeAspect="1"/>
+          </p:cNvPicPr>
+          <p:nvPr/>
+        </p:nvPicPr>
+        <p:blipFill>
+          <a:blip r:embed="rId3">
+            <a:extLst>
+              <a:ext uri="{28A0092B-C50C-407E-A947-70E740481C1C}">
+                <a14:useLocalDpi xmlns:a14="http://schemas.microsoft.com/office/drawing/2010/main" val="0"/>
+              </a:ext>
+            </a:extLst>
+          </a:blip>
+          <a:stretch>
+            <a:fillRect/>
+          </a:stretch>
+        </p:blipFill>
+        <p:spPr>
+          <a:xfrm>
+            <a:off x="1205706" y="2501900"/>
+            <a:ext cx="10243152" cy="2956335"/>
+          </a:xfrm>
+          <a:prstGeom prst="rect">
+            <a:avLst/>
+          </a:prstGeom>
+        </p:spPr>
+      </p:pic>
     </p:spTree>
     <p:extLst>
       <p:ext uri="{BB962C8B-B14F-4D97-AF65-F5344CB8AC3E}">
@@ -31196,11 +31418,7 @@
           <a:p>
             <a:r>
               <a:rPr lang="en-GB" sz="2600" dirty="0"/>
-              <a:t>This project demonstrates the effectiveness of machine learning in building intrusion detection systems (IDS) to improve network security. Models like Random Forests</a:t>
-            </a:r>
-            <a:r>
-              <a:rPr lang="en-GB" sz="2600" dirty="0"/>
-              <a:t>, Logistic </a:t>
+              <a:t>This project demonstrates the effectiveness of machine learning in building intrusion detection systems (IDS) to improve network security. Models like Random Forests, Logistic </a:t>
             </a:r>
             <a:r>
               <a:rPr lang="en-GB" sz="2600" dirty="0" smtClean="0"/>
@@ -33927,25 +34145,6 @@
 </file>
 
 <file path=customXml/item1.xml><?xml version="1.0" encoding="utf-8"?>
-<p:properties xmlns:p="http://schemas.microsoft.com/office/2006/metadata/properties" xmlns:xsi="http://www.w3.org/2001/XMLSchema-instance" xmlns:pc="http://schemas.microsoft.com/office/infopath/2007/PartnerControls">
-  <documentManagement>
-    <_ip_UnifiedCompliancePolicyUIAction xmlns="http://schemas.microsoft.com/sharepoint/v3" xsi:nil="true"/>
-    <Image xmlns="71af3243-3dd4-4a8d-8c0d-dd76da1f02a5">
-      <Url xsi:nil="true"/>
-      <Description xsi:nil="true"/>
-    </Image>
-    <Status xmlns="71af3243-3dd4-4a8d-8c0d-dd76da1f02a5">Not started</Status>
-    <_ip_UnifiedCompliancePolicyProperties xmlns="http://schemas.microsoft.com/sharepoint/v3" xsi:nil="true"/>
-    <ImageTagsTaxHTField xmlns="71af3243-3dd4-4a8d-8c0d-dd76da1f02a5">
-      <Terms xmlns="http://schemas.microsoft.com/office/infopath/2007/PartnerControls"/>
-    </ImageTagsTaxHTField>
-    <TaxCatchAll xmlns="230e9df3-be65-4c73-a93b-d1236ebd677e"/>
-    <MediaServiceKeyPoints xmlns="71af3243-3dd4-4a8d-8c0d-dd76da1f02a5" xsi:nil="true"/>
-  </documentManagement>
-</p:properties>
-</file>
-
-<file path=customXml/item2.xml><?xml version="1.0" encoding="utf-8"?>
 <ct:contentTypeSchema xmlns:ct="http://schemas.microsoft.com/office/2006/metadata/contentType" xmlns:ma="http://schemas.microsoft.com/office/2006/metadata/properties/metaAttributes" ct:_="" ma:_="" ma:contentTypeName="Document" ma:contentTypeID="0x01010079F111ED35F8CC479449609E8A0923A6" ma:contentTypeVersion="21" ma:contentTypeDescription="Create a new document." ma:contentTypeScope="" ma:versionID="64dfb1555687e0874b4304b796b5b0c7">
   <xsd:schema xmlns:xsd="http://www.w3.org/2001/XMLSchema" xmlns:xs="http://www.w3.org/2001/XMLSchema" xmlns:p="http://schemas.microsoft.com/office/2006/metadata/properties" xmlns:ns1="http://schemas.microsoft.com/sharepoint/v3" xmlns:ns2="71af3243-3dd4-4a8d-8c0d-dd76da1f02a5" xmlns:ns3="16c05727-aa75-4e4a-9b5f-8a80a1165891" xmlns:ns4="230e9df3-be65-4c73-a93b-d1236ebd677e" targetNamespace="http://schemas.microsoft.com/office/2006/metadata/properties" ma:root="true" ma:fieldsID="e6e4c555b5e194d05b7203de9c4567b3" ns1:_="" ns2:_="" ns3:_="" ns4:_="">
     <xsd:import namespace="http://schemas.microsoft.com/sharepoint/v3"/>
@@ -34227,6 +34426,25 @@
 </ct:contentTypeSchema>
 </file>
 
+<file path=customXml/item2.xml><?xml version="1.0" encoding="utf-8"?>
+<p:properties xmlns:p="http://schemas.microsoft.com/office/2006/metadata/properties" xmlns:xsi="http://www.w3.org/2001/XMLSchema-instance" xmlns:pc="http://schemas.microsoft.com/office/infopath/2007/PartnerControls">
+  <documentManagement>
+    <_ip_UnifiedCompliancePolicyUIAction xmlns="http://schemas.microsoft.com/sharepoint/v3" xsi:nil="true"/>
+    <Image xmlns="71af3243-3dd4-4a8d-8c0d-dd76da1f02a5">
+      <Url xsi:nil="true"/>
+      <Description xsi:nil="true"/>
+    </Image>
+    <Status xmlns="71af3243-3dd4-4a8d-8c0d-dd76da1f02a5">Not started</Status>
+    <_ip_UnifiedCompliancePolicyProperties xmlns="http://schemas.microsoft.com/sharepoint/v3" xsi:nil="true"/>
+    <ImageTagsTaxHTField xmlns="71af3243-3dd4-4a8d-8c0d-dd76da1f02a5">
+      <Terms xmlns="http://schemas.microsoft.com/office/infopath/2007/PartnerControls"/>
+    </ImageTagsTaxHTField>
+    <TaxCatchAll xmlns="230e9df3-be65-4c73-a93b-d1236ebd677e"/>
+    <MediaServiceKeyPoints xmlns="71af3243-3dd4-4a8d-8c0d-dd76da1f02a5" xsi:nil="true"/>
+  </documentManagement>
+</p:properties>
+</file>
+
 <file path=customXml/item3.xml><?xml version="1.0" encoding="utf-8"?>
 <?mso-contentType ?>
 <FormTemplates xmlns="http://schemas.microsoft.com/sharepoint/v3/contenttype/forms">
@@ -34237,18 +34455,6 @@
 </file>
 
 <file path=customXml/itemProps1.xml><?xml version="1.0" encoding="utf-8"?>
-<ds:datastoreItem xmlns:ds="http://schemas.openxmlformats.org/officeDocument/2006/customXml" ds:itemID="{4D5BAB77-79E1-4739-AA51-10C9079186D6}">
-  <ds:schemaRefs>
-    <ds:schemaRef ds:uri="http://schemas.microsoft.com/office/2006/metadata/properties"/>
-    <ds:schemaRef ds:uri="http://schemas.microsoft.com/office/infopath/2007/PartnerControls"/>
-    <ds:schemaRef ds:uri="http://schemas.microsoft.com/sharepoint/v3"/>
-    <ds:schemaRef ds:uri="71af3243-3dd4-4a8d-8c0d-dd76da1f02a5"/>
-    <ds:schemaRef ds:uri="230e9df3-be65-4c73-a93b-d1236ebd677e"/>
-  </ds:schemaRefs>
-</ds:datastoreItem>
-</file>
-
-<file path=customXml/itemProps2.xml><?xml version="1.0" encoding="utf-8"?>
 <ds:datastoreItem xmlns:ds="http://schemas.openxmlformats.org/officeDocument/2006/customXml" ds:itemID="{4A615295-94F6-4CE2-A1B1-6B7E1DAA5AD6}">
   <ds:schemaRefs>
     <ds:schemaRef ds:uri="http://schemas.microsoft.com/office/2006/metadata/contentType"/>
@@ -34269,6 +34475,18 @@
 </ds:datastoreItem>
 </file>
 
+<file path=customXml/itemProps2.xml><?xml version="1.0" encoding="utf-8"?>
+<ds:datastoreItem xmlns:ds="http://schemas.openxmlformats.org/officeDocument/2006/customXml" ds:itemID="{4D5BAB77-79E1-4739-AA51-10C9079186D6}">
+  <ds:schemaRefs>
+    <ds:schemaRef ds:uri="http://schemas.microsoft.com/office/2006/metadata/properties"/>
+    <ds:schemaRef ds:uri="http://schemas.microsoft.com/office/infopath/2007/PartnerControls"/>
+    <ds:schemaRef ds:uri="http://schemas.microsoft.com/sharepoint/v3"/>
+    <ds:schemaRef ds:uri="71af3243-3dd4-4a8d-8c0d-dd76da1f02a5"/>
+    <ds:schemaRef ds:uri="230e9df3-be65-4c73-a93b-d1236ebd677e"/>
+  </ds:schemaRefs>
+</ds:datastoreItem>
+</file>
+
 <file path=customXml/itemProps3.xml><?xml version="1.0" encoding="utf-8"?>
 <ds:datastoreItem xmlns:ds="http://schemas.openxmlformats.org/officeDocument/2006/customXml" ds:itemID="{85334180-0405-413B-834A-44FA9E05ADB7}">
   <ds:schemaRefs>
